--- a/week10/Lab10.pptx
+++ b/week10/Lab10.pptx
@@ -5,7 +5,7 @@
     <p:sldMasterId id="2147483648" r:id="rId1"/>
   </p:sldMasterIdLst>
   <p:notesMasterIdLst>
-    <p:notesMasterId r:id="rId12"/>
+    <p:notesMasterId r:id="rId13"/>
   </p:notesMasterIdLst>
   <p:sldIdLst>
     <p:sldId id="256" r:id="rId2"/>
@@ -16,8 +16,9 @@
     <p:sldId id="1083" r:id="rId7"/>
     <p:sldId id="1085" r:id="rId8"/>
     <p:sldId id="447" r:id="rId9"/>
-    <p:sldId id="1065" r:id="rId10"/>
-    <p:sldId id="1072" r:id="rId11"/>
+    <p:sldId id="1086" r:id="rId10"/>
+    <p:sldId id="1087" r:id="rId11"/>
+    <p:sldId id="1072" r:id="rId12"/>
   </p:sldIdLst>
   <p:sldSz cx="12192000" cy="6858000"/>
   <p:notesSz cx="6858000" cy="9144000"/>
@@ -206,7 +207,7 @@
           <a:p>
             <a:fld id="{D1237EF7-A117-46B7-88A8-1B7FB98FF0F2}" type="datetimeFigureOut">
               <a:rPr lang="zh-CN" altLang="en-US" smtClean="0"/>
-              <a:t>2022/11/15</a:t>
+              <a:t>2023/4/23</a:t>
             </a:fld>
             <a:endParaRPr lang="zh-CN" altLang="en-US"/>
           </a:p>
@@ -597,7 +598,7 @@
           <a:p>
             <a:fld id="{FC19A4FA-3D9A-4114-B0D5-759CBD56F1AB}" type="datetimeFigureOut">
               <a:rPr lang="zh-CN" altLang="en-US" smtClean="0"/>
-              <a:t>2022/11/15</a:t>
+              <a:t>2023/4/23</a:t>
             </a:fld>
             <a:endParaRPr lang="zh-CN" altLang="en-US"/>
           </a:p>
@@ -791,7 +792,7 @@
           <a:p>
             <a:fld id="{FC19A4FA-3D9A-4114-B0D5-759CBD56F1AB}" type="datetimeFigureOut">
               <a:rPr lang="zh-CN" altLang="en-US" smtClean="0"/>
-              <a:t>2022/11/15</a:t>
+              <a:t>2023/4/23</a:t>
             </a:fld>
             <a:endParaRPr lang="zh-CN" altLang="en-US"/>
           </a:p>
@@ -964,7 +965,7 @@
           <a:p>
             <a:fld id="{FC19A4FA-3D9A-4114-B0D5-759CBD56F1AB}" type="datetimeFigureOut">
               <a:rPr lang="zh-CN" altLang="en-US" smtClean="0"/>
-              <a:t>2022/11/15</a:t>
+              <a:t>2023/4/23</a:t>
             </a:fld>
             <a:endParaRPr lang="zh-CN" altLang="en-US"/>
           </a:p>
@@ -1148,7 +1149,7 @@
           <a:p>
             <a:fld id="{FC19A4FA-3D9A-4114-B0D5-759CBD56F1AB}" type="datetimeFigureOut">
               <a:rPr lang="zh-CN" altLang="en-US" smtClean="0"/>
-              <a:t>2022/11/15</a:t>
+              <a:t>2023/4/23</a:t>
             </a:fld>
             <a:endParaRPr lang="zh-CN" altLang="en-US"/>
           </a:p>
@@ -1405,7 +1406,7 @@
           <a:p>
             <a:fld id="{FC19A4FA-3D9A-4114-B0D5-759CBD56F1AB}" type="datetimeFigureOut">
               <a:rPr lang="zh-CN" altLang="en-US" smtClean="0"/>
-              <a:t>2022/11/15</a:t>
+              <a:t>2023/4/23</a:t>
             </a:fld>
             <a:endParaRPr lang="zh-CN" altLang="en-US"/>
           </a:p>
@@ -1792,7 +1793,7 @@
           <a:p>
             <a:fld id="{FC19A4FA-3D9A-4114-B0D5-759CBD56F1AB}" type="datetimeFigureOut">
               <a:rPr lang="zh-CN" altLang="en-US" smtClean="0"/>
-              <a:t>2022/11/15</a:t>
+              <a:t>2023/4/23</a:t>
             </a:fld>
             <a:endParaRPr lang="zh-CN" altLang="en-US"/>
           </a:p>
@@ -2060,7 +2061,7 @@
           <a:p>
             <a:fld id="{FC19A4FA-3D9A-4114-B0D5-759CBD56F1AB}" type="datetimeFigureOut">
               <a:rPr lang="zh-CN" altLang="en-US" smtClean="0"/>
-              <a:t>2022/11/15</a:t>
+              <a:t>2023/4/23</a:t>
             </a:fld>
             <a:endParaRPr lang="zh-CN" altLang="en-US"/>
           </a:p>
@@ -2200,7 +2201,7 @@
           <a:p>
             <a:fld id="{FC19A4FA-3D9A-4114-B0D5-759CBD56F1AB}" type="datetimeFigureOut">
               <a:rPr lang="zh-CN" altLang="en-US" smtClean="0"/>
-              <a:t>2022/11/15</a:t>
+              <a:t>2023/4/23</a:t>
             </a:fld>
             <a:endParaRPr lang="zh-CN" altLang="en-US"/>
           </a:p>
@@ -2290,7 +2291,7 @@
           <a:p>
             <a:fld id="{FC19A4FA-3D9A-4114-B0D5-759CBD56F1AB}" type="datetimeFigureOut">
               <a:rPr lang="zh-CN" altLang="en-US" smtClean="0"/>
-              <a:t>2022/11/15</a:t>
+              <a:t>2023/4/23</a:t>
             </a:fld>
             <a:endParaRPr lang="zh-CN" altLang="en-US"/>
           </a:p>
@@ -2560,7 +2561,7 @@
           <a:p>
             <a:fld id="{FC19A4FA-3D9A-4114-B0D5-759CBD56F1AB}" type="datetimeFigureOut">
               <a:rPr lang="zh-CN" altLang="en-US" smtClean="0"/>
-              <a:t>2022/11/15</a:t>
+              <a:t>2023/4/23</a:t>
             </a:fld>
             <a:endParaRPr lang="zh-CN" altLang="en-US"/>
           </a:p>
@@ -2807,7 +2808,7 @@
           <a:p>
             <a:fld id="{FC19A4FA-3D9A-4114-B0D5-759CBD56F1AB}" type="datetimeFigureOut">
               <a:rPr lang="zh-CN" altLang="en-US" smtClean="0"/>
-              <a:t>2022/11/15</a:t>
+              <a:t>2023/4/23</a:t>
             </a:fld>
             <a:endParaRPr lang="zh-CN" altLang="en-US"/>
           </a:p>
@@ -3013,7 +3014,7 @@
           <a:p>
             <a:fld id="{FC19A4FA-3D9A-4114-B0D5-759CBD56F1AB}" type="datetimeFigureOut">
               <a:rPr lang="zh-CN" altLang="en-US" smtClean="0"/>
-              <a:t>2022/11/15</a:t>
+              <a:t>2023/4/23</a:t>
             </a:fld>
             <a:endParaRPr lang="zh-CN" altLang="en-US"/>
           </a:p>
@@ -3603,7 +3604,7 @@
           <a:lstStyle/>
           <a:p>
             <a:r>
-              <a:rPr lang="en-US" altLang="zh-CN" dirty="0"/>
+              <a:rPr lang="en-US" altLang="zh-CN"/>
               <a:t>Exercise:</a:t>
             </a:r>
           </a:p>
@@ -3631,6 +3632,214 @@
           </a:bodyPr>
           <a:lstStyle/>
           <a:p>
+            <a:pPr>
+              <a:lnSpc>
+                <a:spcPct val="120000"/>
+              </a:lnSpc>
+              <a:spcBef>
+                <a:spcPts val="0"/>
+              </a:spcBef>
+            </a:pPr>
+            <a:r>
+              <a:rPr lang="en-US" altLang="zh-CN" sz="2400" dirty="0"/>
+              <a:t>Create a class called </a:t>
+            </a:r>
+            <a:r>
+              <a:rPr lang="en-US" altLang="zh-CN" sz="2400" b="1" dirty="0"/>
+              <a:t>Complex</a:t>
+            </a:r>
+            <a:r>
+              <a:rPr lang="en-US" altLang="zh-CN" sz="2400" dirty="0"/>
+              <a:t> for performing arithmetic with complex numbers. Write a program to test your class. Complex numbers have the form    </a:t>
+            </a:r>
+          </a:p>
+          <a:p>
+            <a:pPr marL="0" indent="0">
+              <a:lnSpc>
+                <a:spcPct val="120000"/>
+              </a:lnSpc>
+              <a:spcBef>
+                <a:spcPts val="0"/>
+              </a:spcBef>
+              <a:buNone/>
+            </a:pPr>
+            <a:r>
+              <a:rPr lang="en-US" altLang="zh-CN" sz="2400" dirty="0"/>
+              <a:t>                                   </a:t>
+            </a:r>
+            <a:r>
+              <a:rPr lang="en-US" altLang="zh-CN" sz="2400" dirty="0" err="1"/>
+              <a:t>realPart</a:t>
+            </a:r>
+            <a:r>
+              <a:rPr lang="en-US" altLang="zh-CN" sz="2400" dirty="0"/>
+              <a:t> + </a:t>
+            </a:r>
+            <a:r>
+              <a:rPr lang="en-US" altLang="zh-CN" sz="2400" dirty="0" err="1"/>
+              <a:t>imaginaryPart</a:t>
+            </a:r>
+            <a:r>
+              <a:rPr lang="en-US" altLang="zh-CN" sz="2400" dirty="0"/>
+              <a:t> * </a:t>
+            </a:r>
+            <a:r>
+              <a:rPr lang="en-US" altLang="zh-CN" sz="2400" dirty="0" err="1"/>
+              <a:t>i</a:t>
+            </a:r>
+            <a:endParaRPr lang="zh-CN" altLang="en-US" sz="2400" dirty="0"/>
+          </a:p>
+          <a:p>
+            <a:pPr>
+              <a:lnSpc>
+                <a:spcPct val="120000"/>
+              </a:lnSpc>
+              <a:spcBef>
+                <a:spcPts val="0"/>
+              </a:spcBef>
+            </a:pPr>
+            <a:r>
+              <a:rPr lang="en-US" altLang="zh-CN" sz="2400" dirty="0"/>
+              <a:t>Develop a complete class containing proper constructor functions as well as setter and getter functions. The class should also provide the following overloaded operator capabilities: </a:t>
+            </a:r>
+          </a:p>
+          <a:p>
+            <a:pPr marL="0" indent="0">
+              <a:lnSpc>
+                <a:spcPct val="120000"/>
+              </a:lnSpc>
+              <a:spcBef>
+                <a:spcPts val="0"/>
+              </a:spcBef>
+              <a:buNone/>
+            </a:pPr>
+            <a:r>
+              <a:rPr lang="en-US" altLang="zh-CN" sz="2400" dirty="0"/>
+              <a:t>(1) Overload the addition operator (+) to add two Complex numbers. </a:t>
+            </a:r>
+          </a:p>
+          <a:p>
+            <a:pPr marL="0" indent="0">
+              <a:lnSpc>
+                <a:spcPct val="120000"/>
+              </a:lnSpc>
+              <a:spcBef>
+                <a:spcPts val="0"/>
+              </a:spcBef>
+              <a:buNone/>
+            </a:pPr>
+            <a:r>
+              <a:rPr lang="en-US" altLang="zh-CN" sz="2400" dirty="0"/>
+              <a:t>(2) Overload the subtraction operator (-) to subtract two Complex numbers. </a:t>
+            </a:r>
+          </a:p>
+          <a:p>
+            <a:pPr marL="0" indent="0">
+              <a:lnSpc>
+                <a:spcPct val="120000"/>
+              </a:lnSpc>
+              <a:spcBef>
+                <a:spcPts val="0"/>
+              </a:spcBef>
+              <a:buNone/>
+            </a:pPr>
+            <a:r>
+              <a:rPr lang="en-US" altLang="zh-CN" sz="2400" dirty="0"/>
+              <a:t>(3) Overload the assignment operator(=) to assign one Complex to another. </a:t>
+            </a:r>
+          </a:p>
+          <a:p>
+            <a:pPr marL="0" indent="0">
+              <a:lnSpc>
+                <a:spcPct val="120000"/>
+              </a:lnSpc>
+              <a:spcBef>
+                <a:spcPts val="0"/>
+              </a:spcBef>
+              <a:buNone/>
+            </a:pPr>
+            <a:r>
+              <a:rPr lang="en-US" altLang="zh-CN" sz="2400" dirty="0"/>
+              <a:t>(4) Overload the multiplication operator (*) to multiply two Complex numbers.</a:t>
+            </a:r>
+            <a:endParaRPr lang="zh-CN" altLang="en-US" sz="2400" dirty="0"/>
+          </a:p>
+        </p:txBody>
+      </p:sp>
+    </p:spTree>
+    <p:extLst>
+      <p:ext uri="{BB962C8B-B14F-4D97-AF65-F5344CB8AC3E}">
+        <p14:creationId xmlns:p14="http://schemas.microsoft.com/office/powerpoint/2010/main" val="4150574956"/>
+      </p:ext>
+    </p:extLst>
+  </p:cSld>
+  <p:clrMapOvr>
+    <a:masterClrMapping/>
+  </p:clrMapOvr>
+</p:sld>
+</file>
+
+<file path=ppt/slides/slide11.xml><?xml version="1.0" encoding="utf-8"?>
+<p:sld xmlns:a="http://schemas.openxmlformats.org/drawingml/2006/main" xmlns:r="http://schemas.openxmlformats.org/officeDocument/2006/relationships" xmlns:p="http://schemas.openxmlformats.org/presentationml/2006/main">
+  <p:cSld>
+    <p:spTree>
+      <p:nvGrpSpPr>
+        <p:cNvPr id="1" name=""/>
+        <p:cNvGrpSpPr/>
+        <p:nvPr/>
+      </p:nvGrpSpPr>
+      <p:grpSpPr>
+        <a:xfrm>
+          <a:off x="0" y="0"/>
+          <a:ext cx="0" cy="0"/>
+          <a:chOff x="0" y="0"/>
+          <a:chExt cx="0" cy="0"/>
+        </a:xfrm>
+      </p:grpSpPr>
+      <p:sp>
+        <p:nvSpPr>
+          <p:cNvPr id="2" name="标题 1"/>
+          <p:cNvSpPr>
+            <a:spLocks noGrp="1"/>
+          </p:cNvSpPr>
+          <p:nvPr>
+            <p:ph type="title"/>
+          </p:nvPr>
+        </p:nvSpPr>
+        <p:spPr/>
+        <p:txBody>
+          <a:bodyPr/>
+          <a:lstStyle/>
+          <a:p>
+            <a:r>
+              <a:rPr lang="en-US" altLang="zh-CN" dirty="0"/>
+              <a:t>Exercise:</a:t>
+            </a:r>
+          </a:p>
+        </p:txBody>
+      </p:sp>
+      <p:sp>
+        <p:nvSpPr>
+          <p:cNvPr id="3" name="内容占位符 2"/>
+          <p:cNvSpPr>
+            <a:spLocks noGrp="1"/>
+          </p:cNvSpPr>
+          <p:nvPr>
+            <p:ph idx="1"/>
+          </p:nvPr>
+        </p:nvSpPr>
+        <p:spPr>
+          <a:xfrm>
+            <a:off x="197225" y="1326995"/>
+            <a:ext cx="11694854" cy="4849968"/>
+          </a:xfrm>
+        </p:spPr>
+        <p:txBody>
+          <a:bodyPr>
+            <a:normAutofit/>
+          </a:bodyPr>
+          <a:lstStyle/>
+          <a:p>
             <a:pPr marL="0" indent="0">
               <a:buNone/>
             </a:pPr>
@@ -3681,7 +3890,7 @@
         </p:nvSpPr>
         <p:spPr>
           <a:xfrm>
-            <a:off x="465987" y="2819400"/>
+            <a:off x="623005" y="2745243"/>
             <a:ext cx="6168292" cy="461665"/>
           </a:xfrm>
           <a:prstGeom prst="rect">
@@ -3698,6 +3907,54 @@
             <a:r>
               <a:rPr lang="en-US" altLang="zh-CN" sz="2400" dirty="0"/>
               <a:t>Write a test program to test your Complex class.</a:t>
+            </a:r>
+            <a:endParaRPr lang="zh-CN" altLang="en-US" sz="2400" dirty="0"/>
+          </a:p>
+        </p:txBody>
+      </p:sp>
+      <p:sp>
+        <p:nvSpPr>
+          <p:cNvPr id="5" name="文本框 4">
+            <a:extLst>
+              <a:ext uri="{FF2B5EF4-FFF2-40B4-BE49-F238E27FC236}">
+                <a16:creationId xmlns:a16="http://schemas.microsoft.com/office/drawing/2014/main" id="{78376B2B-23FE-CE92-0FBB-A90835B70387}"/>
+              </a:ext>
+            </a:extLst>
+          </p:cNvPr>
+          <p:cNvSpPr txBox="1"/>
+          <p:nvPr/>
+        </p:nvSpPr>
+        <p:spPr>
+          <a:xfrm>
+            <a:off x="623005" y="3651093"/>
+            <a:ext cx="11236025" cy="1200329"/>
+          </a:xfrm>
+          <a:prstGeom prst="rect">
+            <a:avLst/>
+          </a:prstGeom>
+          <a:noFill/>
+        </p:spPr>
+        <p:txBody>
+          <a:bodyPr wrap="none" rtlCol="0">
+            <a:spAutoFit/>
+          </a:bodyPr>
+          <a:lstStyle/>
+          <a:p>
+            <a:r>
+              <a:rPr lang="en-US" altLang="zh-CN" sz="2400" dirty="0"/>
+              <a:t>What operator(s) must be overloaded as member function(s)? What operator(s) must be</a:t>
+            </a:r>
+          </a:p>
+          <a:p>
+            <a:r>
+              <a:rPr lang="en-US" altLang="zh-CN" sz="2400" dirty="0"/>
+              <a:t>overloaded as non-member function(s)? How about friend functions? Why? Give your </a:t>
+            </a:r>
+          </a:p>
+          <a:p>
+            <a:r>
+              <a:rPr lang="en-US" altLang="zh-CN" sz="2400" dirty="0"/>
+              <a:t>explanations to SA. </a:t>
             </a:r>
             <a:endParaRPr lang="zh-CN" altLang="en-US" sz="2400" dirty="0"/>
           </a:p>
@@ -4111,10 +4368,9 @@
           </a:lstStyle>
           <a:p>
             <a:r>
-              <a:rPr lang="en-US" altLang="zh-CN" sz="4000"/>
+              <a:rPr lang="en-US" altLang="zh-CN" sz="3600" b="1" dirty="0"/>
               <a:t> Operator overloading</a:t>
             </a:r>
-            <a:endParaRPr lang="en-US" altLang="zh-CN" sz="4000" dirty="0"/>
           </a:p>
         </p:txBody>
       </p:sp>
@@ -4415,8 +4671,8 @@
         </p:nvSpPr>
         <p:spPr>
           <a:xfrm>
-            <a:off x="1188661" y="506910"/>
-            <a:ext cx="10015366" cy="1014392"/>
+            <a:off x="1244080" y="358724"/>
+            <a:ext cx="10015366" cy="684581"/>
           </a:xfrm>
           <a:prstGeom prst="rect">
             <a:avLst/>
@@ -4609,7 +4865,7 @@
               <a:defRPr/>
             </a:pPr>
             <a:r>
-              <a:rPr kumimoji="0" lang="en-US" sz="2800" b="0" i="0" u="none" strike="noStrike" kern="1200" cap="none" spc="0" normalizeH="0" baseline="0" noProof="0" dirty="0">
+              <a:rPr kumimoji="0" lang="en-US" sz="3200" b="1" i="0" u="none" strike="noStrike" kern="1200" cap="none" spc="0" normalizeH="0" baseline="0" noProof="0" dirty="0">
                 <a:ln>
                   <a:noFill/>
                 </a:ln>
@@ -5514,10 +5770,10 @@
         </p:nvGrpSpPr>
         <p:grpSpPr>
           <a:xfrm>
-            <a:off x="1783216" y="3383540"/>
-            <a:ext cx="10115597" cy="1594860"/>
-            <a:chOff x="1783216" y="3383540"/>
-            <a:chExt cx="10115597" cy="1594860"/>
+            <a:off x="1783216" y="3143400"/>
+            <a:ext cx="10185488" cy="1835000"/>
+            <a:chOff x="1783216" y="3143400"/>
+            <a:chExt cx="10185488" cy="1835000"/>
           </a:xfrm>
         </p:grpSpPr>
         <p:sp>
@@ -5628,8 +5884,8 @@
           </p:nvSpPr>
           <p:spPr>
             <a:xfrm>
-              <a:off x="6787414" y="3383540"/>
-              <a:ext cx="5111399" cy="923330"/>
+              <a:off x="6787414" y="3143400"/>
+              <a:ext cx="5181290" cy="1200329"/>
             </a:xfrm>
             <a:prstGeom prst="rect">
               <a:avLst/>
@@ -5644,7 +5900,13 @@
             <a:p>
               <a:r>
                 <a:rPr lang="en-US" altLang="zh-CN" dirty="0"/>
-                <a:t>Define &lt;&lt; operator function as a friend function</a:t>
+                <a:t>Define &lt;&lt; operator function as a friend function who </a:t>
+              </a:r>
+            </a:p>
+            <a:p>
+              <a:r>
+                <a:rPr lang="en-US" altLang="zh-CN" dirty="0"/>
+                <a:t>can access the data members of the class.</a:t>
               </a:r>
             </a:p>
             <a:p>
@@ -6873,25 +7135,7 @@
                 </a:solidFill>
                 <a:latin typeface="-apple-system"/>
               </a:rPr>
-              <a:t>If you use a existing object to initialize a new object, the compiler will invoke the copy constructor to implement the </a:t>
-            </a:r>
-            <a:r>
-              <a:rPr lang="en-US" altLang="zh-CN" sz="2400" dirty="0" err="1">
-                <a:solidFill>
-                  <a:srgbClr val="24292F"/>
-                </a:solidFill>
-                <a:latin typeface="-apple-system"/>
-              </a:rPr>
-              <a:t>memberwise</a:t>
-            </a:r>
-            <a:r>
-              <a:rPr lang="en-US" altLang="zh-CN" sz="2400" dirty="0">
-                <a:solidFill>
-                  <a:srgbClr val="24292F"/>
-                </a:solidFill>
-                <a:latin typeface="-apple-system"/>
-              </a:rPr>
-              <a:t> initialization.</a:t>
+              <a:t>If you use an existing object to initialize a new object, the compiler will invoke the copy constructor to implement the member-wise initialization.</a:t>
             </a:r>
             <a:r>
               <a:rPr lang="en-US" altLang="zh-CN" sz="2400" dirty="0"/>
@@ -6899,15 +7143,7 @@
             </a:r>
             <a:r>
               <a:rPr lang="en-US" altLang="zh-CN" sz="2400" i="1" dirty="0"/>
-              <a:t>default </a:t>
-            </a:r>
-            <a:r>
-              <a:rPr lang="en-US" altLang="zh-CN" sz="2400" i="1" dirty="0" err="1"/>
-              <a:t>memberwise</a:t>
-            </a:r>
-            <a:r>
-              <a:rPr lang="en-US" altLang="zh-CN" sz="2400" i="1" dirty="0"/>
-              <a:t> initialization</a:t>
+              <a:t>default member-wise initialization</a:t>
             </a:r>
             <a:r>
               <a:rPr lang="en-US" altLang="zh-CN" sz="2400" dirty="0"/>
@@ -7200,7 +7436,7 @@
         <p:spPr>
           <a:xfrm>
             <a:off x="1412517" y="517521"/>
-            <a:ext cx="8217756" cy="523220"/>
+            <a:ext cx="8217756" cy="584775"/>
           </a:xfrm>
           <a:prstGeom prst="rect">
             <a:avLst/>
@@ -7214,24 +7450,14 @@
           <a:lstStyle/>
           <a:p>
             <a:r>
-              <a:rPr lang="en-US" altLang="zh-CN" sz="2800" dirty="0" err="1">
+              <a:rPr lang="en-US" altLang="zh-CN" sz="3200" b="1" dirty="0">
                 <a:solidFill>
                   <a:srgbClr val="24292F"/>
                 </a:solidFill>
-                <a:latin typeface="-apple-system"/>
               </a:rPr>
-              <a:t>Memberwise</a:t>
-            </a:r>
-            <a:r>
-              <a:rPr lang="en-US" altLang="zh-CN" sz="2800" dirty="0">
-                <a:solidFill>
-                  <a:srgbClr val="24292F"/>
-                </a:solidFill>
-                <a:latin typeface="-apple-system"/>
-              </a:rPr>
-              <a:t> initialization and objects assignment</a:t>
-            </a:r>
-            <a:endParaRPr lang="zh-CN" altLang="en-US" sz="2800" dirty="0"/>
+              <a:t>Member-wise initialization</a:t>
+            </a:r>
+            <a:endParaRPr lang="zh-CN" altLang="en-US" sz="3200" b="1" dirty="0"/>
           </a:p>
         </p:txBody>
       </p:sp>
@@ -7369,15 +7595,7 @@
             <a:p>
               <a:r>
                 <a:rPr lang="en-US" altLang="zh-CN" dirty="0"/>
-                <a:t>and implement the </a:t>
-              </a:r>
-              <a:r>
-                <a:rPr lang="en-US" altLang="zh-CN" dirty="0" err="1"/>
-                <a:t>memberwise</a:t>
-              </a:r>
-              <a:r>
-                <a:rPr lang="en-US" altLang="zh-CN" dirty="0"/>
-                <a:t> initialization.</a:t>
+                <a:t>and implement the member-wise initialization.</a:t>
               </a:r>
               <a:endParaRPr lang="zh-CN" altLang="en-US" dirty="0"/>
             </a:p>
@@ -7398,10 +7616,10 @@
         </p:nvGrpSpPr>
         <p:grpSpPr>
           <a:xfrm>
-            <a:off x="3729645" y="5641659"/>
-            <a:ext cx="7910121" cy="937066"/>
+            <a:off x="3729645" y="5641661"/>
+            <a:ext cx="6762179" cy="383068"/>
             <a:chOff x="7794120" y="3777103"/>
-            <a:chExt cx="8715809" cy="1032508"/>
+            <a:chExt cx="7450943" cy="422084"/>
           </a:xfrm>
         </p:grpSpPr>
         <p:cxnSp>
@@ -7463,7 +7681,7 @@
           <p:spPr>
             <a:xfrm>
               <a:off x="8297587" y="3792238"/>
-              <a:ext cx="8212342" cy="1017373"/>
+              <a:ext cx="6947476" cy="406949"/>
             </a:xfrm>
             <a:prstGeom prst="rect">
               <a:avLst/>
@@ -7480,19 +7698,6 @@
                 <a:rPr lang="en-US" altLang="zh-CN" dirty="0"/>
                 <a:t>This copy constructor is the same as the default copy constructor.</a:t>
               </a:r>
-            </a:p>
-            <a:p>
-              <a:r>
-                <a:rPr lang="en-US" altLang="zh-CN" dirty="0"/>
-                <a:t>If the data member includes a pointer, you must provide the copy constructor</a:t>
-              </a:r>
-            </a:p>
-            <a:p>
-              <a:r>
-                <a:rPr lang="en-US" altLang="zh-CN" dirty="0"/>
-                <a:t>in your class.</a:t>
-              </a:r>
-              <a:endParaRPr lang="zh-CN" altLang="en-US" dirty="0"/>
             </a:p>
           </p:txBody>
         </p:sp>
@@ -7890,7 +8095,7 @@
         <p:spPr>
           <a:xfrm>
             <a:off x="1619926" y="454867"/>
-            <a:ext cx="8217756" cy="523220"/>
+            <a:ext cx="8217756" cy="584775"/>
           </a:xfrm>
           <a:prstGeom prst="rect">
             <a:avLst/>
@@ -7904,24 +8109,14 @@
           <a:lstStyle/>
           <a:p>
             <a:r>
-              <a:rPr lang="en-US" altLang="zh-CN" sz="2800" dirty="0" err="1">
+              <a:rPr lang="en-US" altLang="zh-CN" sz="3200" b="1" dirty="0">
                 <a:solidFill>
                   <a:srgbClr val="24292F"/>
                 </a:solidFill>
-                <a:latin typeface="-apple-system"/>
               </a:rPr>
-              <a:t>Memberwise</a:t>
-            </a:r>
-            <a:r>
-              <a:rPr lang="en-US" altLang="zh-CN" sz="2800" dirty="0">
-                <a:solidFill>
-                  <a:srgbClr val="24292F"/>
-                </a:solidFill>
-                <a:latin typeface="-apple-system"/>
-              </a:rPr>
-              <a:t> initialization and objects assignment</a:t>
-            </a:r>
-            <a:endParaRPr lang="zh-CN" altLang="en-US" sz="2800" dirty="0"/>
+              <a:t>Objects assignment</a:t>
+            </a:r>
+            <a:endParaRPr lang="zh-CN" altLang="en-US" sz="3200" b="1" dirty="0"/>
           </a:p>
         </p:txBody>
       </p:sp>
@@ -7939,8 +8134,8 @@
         </p:nvSpPr>
         <p:spPr>
           <a:xfrm>
-            <a:off x="1028053" y="1374807"/>
-            <a:ext cx="10811851" cy="830997"/>
+            <a:off x="871037" y="1281523"/>
+            <a:ext cx="11025402" cy="1200329"/>
           </a:xfrm>
           <a:prstGeom prst="rect">
             <a:avLst/>
@@ -7958,7 +8153,6 @@
                 <a:solidFill>
                   <a:srgbClr val="24292F"/>
                 </a:solidFill>
-                <a:latin typeface="-apple-system"/>
               </a:rPr>
               <a:t>If you use an</a:t>
             </a:r>
@@ -7967,7 +8161,6 @@
                 <a:solidFill>
                   <a:srgbClr val="24292F"/>
                 </a:solidFill>
-                <a:latin typeface="-apple-system"/>
               </a:rPr>
               <a:t> </a:t>
             </a:r>
@@ -7976,7 +8169,6 @@
                 <a:solidFill>
                   <a:srgbClr val="24292F"/>
                 </a:solidFill>
-                <a:latin typeface="-apple-system"/>
               </a:rPr>
               <a:t>equal</a:t>
             </a:r>
@@ -7985,7 +8177,6 @@
                 <a:solidFill>
                   <a:srgbClr val="24292F"/>
                 </a:solidFill>
-                <a:latin typeface="-apple-system"/>
               </a:rPr>
               <a:t> </a:t>
             </a:r>
@@ -7994,7 +8185,6 @@
                 <a:solidFill>
                   <a:srgbClr val="24292F"/>
                 </a:solidFill>
-                <a:latin typeface="-apple-system"/>
               </a:rPr>
               <a:t>sign</a:t>
             </a:r>
@@ -8003,7 +8193,6 @@
                 <a:solidFill>
                   <a:srgbClr val="24292F"/>
                 </a:solidFill>
-                <a:latin typeface="-apple-system"/>
               </a:rPr>
               <a:t> </a:t>
             </a:r>
@@ -8012,7 +8201,6 @@
                 <a:solidFill>
                   <a:srgbClr val="24292F"/>
                 </a:solidFill>
-                <a:latin typeface="-apple-system"/>
               </a:rPr>
               <a:t>to</a:t>
             </a:r>
@@ -8021,7 +8209,6 @@
                 <a:solidFill>
                   <a:srgbClr val="24292F"/>
                 </a:solidFill>
-                <a:latin typeface="-apple-system"/>
               </a:rPr>
               <a:t> </a:t>
             </a:r>
@@ -8030,9 +8217,8 @@
                 <a:solidFill>
                   <a:srgbClr val="24292F"/>
                 </a:solidFill>
-                <a:latin typeface="-apple-system"/>
               </a:rPr>
-              <a:t> assign one object to another, this is called assign one object to another. In this case, the copy constructor is not invoked.</a:t>
+              <a:t> assign one object to another, this is called assign one object to another. In this case, the copy constructor is not invoked while the assignment operator works for the member-wise assignment.</a:t>
             </a:r>
             <a:endParaRPr lang="zh-CN" altLang="en-US" sz="2400" dirty="0"/>
           </a:p>
@@ -8306,72 +8492,372 @@
           </p:style>
         </p:cxnSp>
       </p:grpSp>
-      <p:sp>
-        <p:nvSpPr>
-          <p:cNvPr id="18" name="文本框 17">
+      <p:pic>
+        <p:nvPicPr>
+          <p:cNvPr id="4" name="图片 3">
             <a:extLst>
               <a:ext uri="{FF2B5EF4-FFF2-40B4-BE49-F238E27FC236}">
-                <a16:creationId xmlns:a16="http://schemas.microsoft.com/office/drawing/2014/main" id="{45D98139-6DC2-4A8E-A4CE-877921BC2D99}"/>
+                <a16:creationId xmlns:a16="http://schemas.microsoft.com/office/drawing/2014/main" id="{4C9AE0AE-4104-ED31-D795-BA6EEDAC0F04}"/>
               </a:ext>
             </a:extLst>
           </p:cNvPr>
-          <p:cNvSpPr txBox="1"/>
+          <p:cNvPicPr>
+            <a:picLocks noChangeAspect="1"/>
+          </p:cNvPicPr>
           <p:nvPr/>
-        </p:nvSpPr>
+        </p:nvPicPr>
+        <p:blipFill>
+          <a:blip r:embed="rId3"/>
+          <a:stretch>
+            <a:fillRect/>
+          </a:stretch>
+        </p:blipFill>
         <p:spPr>
           <a:xfrm>
-            <a:off x="799912" y="4484902"/>
-            <a:ext cx="10811851" cy="1569660"/>
+            <a:off x="7372516" y="2433496"/>
+            <a:ext cx="3669092" cy="3885306"/>
           </a:xfrm>
           <a:prstGeom prst="rect">
             <a:avLst/>
           </a:prstGeom>
-          <a:noFill/>
         </p:spPr>
-        <p:txBody>
-          <a:bodyPr wrap="square">
-            <a:spAutoFit/>
-          </a:bodyPr>
-          <a:lstStyle/>
-          <a:p>
-            <a:r>
-              <a:rPr lang="en-US" altLang="zh-CN" sz="2400" dirty="0">
-                <a:solidFill>
-                  <a:srgbClr val="24292F"/>
-                </a:solidFill>
-                <a:latin typeface="-apple-system"/>
-              </a:rPr>
-              <a:t>Although this operation is also </a:t>
-            </a:r>
-            <a:r>
-              <a:rPr lang="en-US" altLang="zh-CN" sz="2400" dirty="0" err="1">
-                <a:solidFill>
-                  <a:srgbClr val="24292F"/>
-                </a:solidFill>
-                <a:latin typeface="-apple-system"/>
-              </a:rPr>
-              <a:t>memberwise</a:t>
-            </a:r>
-            <a:r>
-              <a:rPr lang="en-US" altLang="zh-CN" sz="2400" dirty="0">
-                <a:solidFill>
-                  <a:srgbClr val="24292F"/>
-                </a:solidFill>
-                <a:latin typeface="-apple-system"/>
-              </a:rPr>
-              <a:t> assignment, but it does not invoke the copy constructor. The assignment operator(=) can be overloaded.</a:t>
-            </a:r>
-            <a:r>
-              <a:rPr lang="en-US" altLang="zh-CN" sz="2400" dirty="0"/>
-              <a:t> If the data member includes a pointer, you must overload the assignment operator in your class.</a:t>
-            </a:r>
-            <a:endParaRPr lang="zh-CN" altLang="en-US" sz="2400" dirty="0"/>
-          </a:p>
-          <a:p>
-            <a:endParaRPr lang="zh-CN" altLang="en-US" sz="2400" dirty="0"/>
-          </a:p>
-        </p:txBody>
-      </p:sp>
+      </p:pic>
+      <p:grpSp>
+        <p:nvGrpSpPr>
+          <p:cNvPr id="5" name="组合 4">
+            <a:extLst>
+              <a:ext uri="{FF2B5EF4-FFF2-40B4-BE49-F238E27FC236}">
+                <a16:creationId xmlns:a16="http://schemas.microsoft.com/office/drawing/2014/main" id="{27FB1CC5-765A-1180-717A-B80E9C0DF4A3}"/>
+              </a:ext>
+            </a:extLst>
+          </p:cNvPr>
+          <p:cNvGrpSpPr/>
+          <p:nvPr/>
+        </p:nvGrpSpPr>
+        <p:grpSpPr>
+          <a:xfrm>
+            <a:off x="4378244" y="4581236"/>
+            <a:ext cx="5459438" cy="386822"/>
+            <a:chOff x="4881624" y="3477487"/>
+            <a:chExt cx="5459438" cy="386822"/>
+          </a:xfrm>
+        </p:grpSpPr>
+        <p:sp>
+          <p:nvSpPr>
+            <p:cNvPr id="6" name="矩形 5">
+              <a:extLst>
+                <a:ext uri="{FF2B5EF4-FFF2-40B4-BE49-F238E27FC236}">
+                  <a16:creationId xmlns:a16="http://schemas.microsoft.com/office/drawing/2014/main" id="{47DCCB06-2F50-22A6-ECEB-589FBC8061FB}"/>
+                </a:ext>
+              </a:extLst>
+            </p:cNvPr>
+            <p:cNvSpPr/>
+            <p:nvPr/>
+          </p:nvSpPr>
+          <p:spPr>
+            <a:xfrm>
+              <a:off x="8063943" y="3477487"/>
+              <a:ext cx="2277119" cy="279261"/>
+            </a:xfrm>
+            <a:prstGeom prst="rect">
+              <a:avLst/>
+            </a:prstGeom>
+            <a:noFill/>
+            <a:ln w="19050">
+              <a:solidFill>
+                <a:srgbClr val="FF0000"/>
+              </a:solidFill>
+            </a:ln>
+          </p:spPr>
+          <p:style>
+            <a:lnRef idx="2">
+              <a:schemeClr val="accent1">
+                <a:shade val="50000"/>
+              </a:schemeClr>
+            </a:lnRef>
+            <a:fillRef idx="1">
+              <a:schemeClr val="accent1"/>
+            </a:fillRef>
+            <a:effectRef idx="0">
+              <a:schemeClr val="accent1"/>
+            </a:effectRef>
+            <a:fontRef idx="minor">
+              <a:schemeClr val="lt1"/>
+            </a:fontRef>
+          </p:style>
+          <p:txBody>
+            <a:bodyPr rtlCol="0" anchor="ctr"/>
+            <a:lstStyle/>
+            <a:p>
+              <a:pPr algn="ctr"/>
+              <a:endParaRPr lang="zh-CN" altLang="en-US"/>
+            </a:p>
+          </p:txBody>
+        </p:sp>
+        <p:cxnSp>
+          <p:nvCxnSpPr>
+            <p:cNvPr id="8" name="直接箭头连接符 7">
+              <a:extLst>
+                <a:ext uri="{FF2B5EF4-FFF2-40B4-BE49-F238E27FC236}">
+                  <a16:creationId xmlns:a16="http://schemas.microsoft.com/office/drawing/2014/main" id="{C0AA68AE-6879-97A9-E16F-A760BD8AB230}"/>
+                </a:ext>
+              </a:extLst>
+            </p:cNvPr>
+            <p:cNvCxnSpPr>
+              <a:cxnSpLocks/>
+            </p:cNvCxnSpPr>
+            <p:nvPr/>
+          </p:nvCxnSpPr>
+          <p:spPr>
+            <a:xfrm flipV="1">
+              <a:off x="7725840" y="3617117"/>
+              <a:ext cx="338103" cy="139631"/>
+            </a:xfrm>
+            <a:prstGeom prst="straightConnector1">
+              <a:avLst/>
+            </a:prstGeom>
+            <a:ln w="19050">
+              <a:solidFill>
+                <a:srgbClr val="FF0000"/>
+              </a:solidFill>
+              <a:tailEnd type="triangle"/>
+            </a:ln>
+          </p:spPr>
+          <p:style>
+            <a:lnRef idx="1">
+              <a:schemeClr val="accent1"/>
+            </a:lnRef>
+            <a:fillRef idx="0">
+              <a:schemeClr val="accent1"/>
+            </a:fillRef>
+            <a:effectRef idx="0">
+              <a:schemeClr val="accent1"/>
+            </a:effectRef>
+            <a:fontRef idx="minor">
+              <a:schemeClr val="tx1"/>
+            </a:fontRef>
+          </p:style>
+        </p:cxnSp>
+        <p:sp>
+          <p:nvSpPr>
+            <p:cNvPr id="10" name="文本框 9">
+              <a:extLst>
+                <a:ext uri="{FF2B5EF4-FFF2-40B4-BE49-F238E27FC236}">
+                  <a16:creationId xmlns:a16="http://schemas.microsoft.com/office/drawing/2014/main" id="{E3AA7D61-764A-CAF3-A410-3F611BA69E37}"/>
+                </a:ext>
+              </a:extLst>
+            </p:cNvPr>
+            <p:cNvSpPr txBox="1"/>
+            <p:nvPr/>
+          </p:nvSpPr>
+          <p:spPr>
+            <a:xfrm>
+              <a:off x="4881624" y="3494977"/>
+              <a:ext cx="2967736" cy="369332"/>
+            </a:xfrm>
+            <a:prstGeom prst="rect">
+              <a:avLst/>
+            </a:prstGeom>
+            <a:noFill/>
+          </p:spPr>
+          <p:txBody>
+            <a:bodyPr wrap="none" rtlCol="0">
+              <a:spAutoFit/>
+            </a:bodyPr>
+            <a:lstStyle/>
+            <a:p>
+              <a:r>
+                <a:rPr lang="en-US" altLang="zh-CN" dirty="0"/>
+                <a:t>Invoking the copy constructor</a:t>
+              </a:r>
+              <a:endParaRPr lang="zh-CN" altLang="en-US" dirty="0"/>
+            </a:p>
+          </p:txBody>
+        </p:sp>
+      </p:grpSp>
+      <p:grpSp>
+        <p:nvGrpSpPr>
+          <p:cNvPr id="21" name="组合 20">
+            <a:extLst>
+              <a:ext uri="{FF2B5EF4-FFF2-40B4-BE49-F238E27FC236}">
+                <a16:creationId xmlns:a16="http://schemas.microsoft.com/office/drawing/2014/main" id="{E9841940-1D77-75F0-1618-BA5F4A7AFE41}"/>
+              </a:ext>
+            </a:extLst>
+          </p:cNvPr>
+          <p:cNvGrpSpPr/>
+          <p:nvPr/>
+        </p:nvGrpSpPr>
+        <p:grpSpPr>
+          <a:xfrm>
+            <a:off x="4061296" y="5186211"/>
+            <a:ext cx="5008813" cy="404113"/>
+            <a:chOff x="4467693" y="3477487"/>
+            <a:chExt cx="5008813" cy="404113"/>
+          </a:xfrm>
+        </p:grpSpPr>
+        <p:sp>
+          <p:nvSpPr>
+            <p:cNvPr id="22" name="矩形 21">
+              <a:extLst>
+                <a:ext uri="{FF2B5EF4-FFF2-40B4-BE49-F238E27FC236}">
+                  <a16:creationId xmlns:a16="http://schemas.microsoft.com/office/drawing/2014/main" id="{A54B53BF-C0B9-2180-7E86-744A4AD1FFD4}"/>
+                </a:ext>
+              </a:extLst>
+            </p:cNvPr>
+            <p:cNvSpPr/>
+            <p:nvPr/>
+          </p:nvSpPr>
+          <p:spPr>
+            <a:xfrm>
+              <a:off x="8063943" y="3477487"/>
+              <a:ext cx="1412563" cy="207825"/>
+            </a:xfrm>
+            <a:prstGeom prst="rect">
+              <a:avLst/>
+            </a:prstGeom>
+            <a:noFill/>
+            <a:ln w="19050">
+              <a:solidFill>
+                <a:srgbClr val="FF0000"/>
+              </a:solidFill>
+            </a:ln>
+          </p:spPr>
+          <p:style>
+            <a:lnRef idx="2">
+              <a:schemeClr val="accent1">
+                <a:shade val="50000"/>
+              </a:schemeClr>
+            </a:lnRef>
+            <a:fillRef idx="1">
+              <a:schemeClr val="accent1"/>
+            </a:fillRef>
+            <a:effectRef idx="0">
+              <a:schemeClr val="accent1"/>
+            </a:effectRef>
+            <a:fontRef idx="minor">
+              <a:schemeClr val="lt1"/>
+            </a:fontRef>
+          </p:style>
+          <p:txBody>
+            <a:bodyPr rtlCol="0" anchor="ctr"/>
+            <a:lstStyle/>
+            <a:p>
+              <a:pPr algn="ctr"/>
+              <a:endParaRPr lang="zh-CN" altLang="en-US"/>
+            </a:p>
+          </p:txBody>
+        </p:sp>
+        <p:cxnSp>
+          <p:nvCxnSpPr>
+            <p:cNvPr id="23" name="直接箭头连接符 22">
+              <a:extLst>
+                <a:ext uri="{FF2B5EF4-FFF2-40B4-BE49-F238E27FC236}">
+                  <a16:creationId xmlns:a16="http://schemas.microsoft.com/office/drawing/2014/main" id="{8D77B05C-5C69-F316-30CD-DE73FE5707E7}"/>
+                </a:ext>
+              </a:extLst>
+            </p:cNvPr>
+            <p:cNvCxnSpPr>
+              <a:cxnSpLocks/>
+            </p:cNvCxnSpPr>
+            <p:nvPr/>
+          </p:nvCxnSpPr>
+          <p:spPr>
+            <a:xfrm flipV="1">
+              <a:off x="7725840" y="3617117"/>
+              <a:ext cx="338103" cy="139631"/>
+            </a:xfrm>
+            <a:prstGeom prst="straightConnector1">
+              <a:avLst/>
+            </a:prstGeom>
+            <a:ln w="19050">
+              <a:solidFill>
+                <a:srgbClr val="FF0000"/>
+              </a:solidFill>
+              <a:tailEnd type="triangle"/>
+            </a:ln>
+          </p:spPr>
+          <p:style>
+            <a:lnRef idx="1">
+              <a:schemeClr val="accent1"/>
+            </a:lnRef>
+            <a:fillRef idx="0">
+              <a:schemeClr val="accent1"/>
+            </a:fillRef>
+            <a:effectRef idx="0">
+              <a:schemeClr val="accent1"/>
+            </a:effectRef>
+            <a:fontRef idx="minor">
+              <a:schemeClr val="tx1"/>
+            </a:fontRef>
+          </p:style>
+        </p:cxnSp>
+        <p:sp>
+          <p:nvSpPr>
+            <p:cNvPr id="24" name="文本框 23">
+              <a:extLst>
+                <a:ext uri="{FF2B5EF4-FFF2-40B4-BE49-F238E27FC236}">
+                  <a16:creationId xmlns:a16="http://schemas.microsoft.com/office/drawing/2014/main" id="{6551D74D-95EB-75DB-F307-86FFFD0EC2D6}"/>
+                </a:ext>
+              </a:extLst>
+            </p:cNvPr>
+            <p:cNvSpPr txBox="1"/>
+            <p:nvPr/>
+          </p:nvSpPr>
+          <p:spPr>
+            <a:xfrm>
+              <a:off x="4467693" y="3512268"/>
+              <a:ext cx="3335016" cy="369332"/>
+            </a:xfrm>
+            <a:prstGeom prst="rect">
+              <a:avLst/>
+            </a:prstGeom>
+            <a:noFill/>
+          </p:spPr>
+          <p:txBody>
+            <a:bodyPr wrap="none" rtlCol="0">
+              <a:spAutoFit/>
+            </a:bodyPr>
+            <a:lstStyle/>
+            <a:p>
+              <a:r>
+                <a:rPr lang="en-US" altLang="zh-CN" dirty="0"/>
+                <a:t>Invoking the assignment operator</a:t>
+              </a:r>
+              <a:endParaRPr lang="zh-CN" altLang="en-US" dirty="0"/>
+            </a:p>
+          </p:txBody>
+        </p:sp>
+      </p:grpSp>
+      <p:pic>
+        <p:nvPicPr>
+          <p:cNvPr id="26" name="图片 25">
+            <a:extLst>
+              <a:ext uri="{FF2B5EF4-FFF2-40B4-BE49-F238E27FC236}">
+                <a16:creationId xmlns:a16="http://schemas.microsoft.com/office/drawing/2014/main" id="{F7951F7B-E426-244D-27C7-3F772F011854}"/>
+              </a:ext>
+            </a:extLst>
+          </p:cNvPr>
+          <p:cNvPicPr>
+            <a:picLocks noChangeAspect="1"/>
+          </p:cNvPicPr>
+          <p:nvPr/>
+        </p:nvPicPr>
+        <p:blipFill>
+          <a:blip r:embed="rId4"/>
+          <a:stretch>
+            <a:fillRect/>
+          </a:stretch>
+        </p:blipFill>
+        <p:spPr>
+          <a:xfrm>
+            <a:off x="6205838" y="6016021"/>
+            <a:ext cx="531411" cy="605561"/>
+          </a:xfrm>
+          <a:prstGeom prst="rect">
+            <a:avLst/>
+          </a:prstGeom>
+        </p:spPr>
+      </p:pic>
     </p:spTree>
     <p:extLst>
       <p:ext uri="{BB962C8B-B14F-4D97-AF65-F5344CB8AC3E}">
@@ -8583,7 +9069,7 @@
                             </p:stCondLst>
                             <p:childTnLst>
                               <p:par>
-                                <p:cTn id="21" presetID="1" presetClass="entr" presetSubtype="0" fill="hold" grpId="0" nodeType="clickEffect">
+                                <p:cTn id="21" presetID="1" presetClass="entr" presetSubtype="0" fill="hold" nodeType="clickEffect">
                                   <p:stCondLst>
                                     <p:cond delay="0"/>
                                   </p:stCondLst>
@@ -8596,7 +9082,52 @@
                                           </p:stCondLst>
                                         </p:cTn>
                                         <p:tgtEl>
-                                          <p:spTgt spid="18"/>
+                                          <p:spTgt spid="5"/>
+                                        </p:tgtEl>
+                                        <p:attrNameLst>
+                                          <p:attrName>style.visibility</p:attrName>
+                                        </p:attrNameLst>
+                                      </p:cBhvr>
+                                      <p:to>
+                                        <p:strVal val="visible"/>
+                                      </p:to>
+                                    </p:set>
+                                  </p:childTnLst>
+                                </p:cTn>
+                              </p:par>
+                            </p:childTnLst>
+                          </p:cTn>
+                        </p:par>
+                      </p:childTnLst>
+                    </p:cTn>
+                  </p:par>
+                  <p:par>
+                    <p:cTn id="23" fill="hold">
+                      <p:stCondLst>
+                        <p:cond delay="indefinite"/>
+                      </p:stCondLst>
+                      <p:childTnLst>
+                        <p:par>
+                          <p:cTn id="24" fill="hold">
+                            <p:stCondLst>
+                              <p:cond delay="0"/>
+                            </p:stCondLst>
+                            <p:childTnLst>
+                              <p:par>
+                                <p:cTn id="25" presetID="1" presetClass="entr" presetSubtype="0" fill="hold" nodeType="clickEffect">
+                                  <p:stCondLst>
+                                    <p:cond delay="0"/>
+                                  </p:stCondLst>
+                                  <p:childTnLst>
+                                    <p:set>
+                                      <p:cBhvr>
+                                        <p:cTn id="26" dur="1" fill="hold">
+                                          <p:stCondLst>
+                                            <p:cond delay="0"/>
+                                          </p:stCondLst>
+                                        </p:cTn>
+                                        <p:tgtEl>
+                                          <p:spTgt spid="21"/>
                                         </p:tgtEl>
                                         <p:attrNameLst>
                                           <p:attrName>style.visibility</p:attrName>
@@ -8638,7 +9169,6 @@
     </p:tnLst>
     <p:bldLst>
       <p:bldP spid="7" grpId="0"/>
-      <p:bldP spid="18" grpId="0"/>
     </p:bldLst>
   </p:timing>
 </p:sld>
@@ -8663,187 +9193,472 @@
       </p:grpSpPr>
       <p:sp>
         <p:nvSpPr>
-          <p:cNvPr id="2" name="标题 1"/>
-          <p:cNvSpPr>
-            <a:spLocks noGrp="1"/>
-          </p:cNvSpPr>
-          <p:nvPr>
-            <p:ph type="title"/>
-          </p:nvPr>
+          <p:cNvPr id="3" name="文本框 2">
+            <a:extLst>
+              <a:ext uri="{FF2B5EF4-FFF2-40B4-BE49-F238E27FC236}">
+                <a16:creationId xmlns:a16="http://schemas.microsoft.com/office/drawing/2014/main" id="{5FDE4600-904F-47DD-9E50-1307CA7BF5B1}"/>
+              </a:ext>
+            </a:extLst>
+          </p:cNvPr>
+          <p:cNvSpPr txBox="1"/>
+          <p:nvPr/>
         </p:nvSpPr>
-        <p:spPr/>
+        <p:spPr>
+          <a:xfrm>
+            <a:off x="1619926" y="454867"/>
+            <a:ext cx="8217756" cy="584775"/>
+          </a:xfrm>
+          <a:prstGeom prst="rect">
+            <a:avLst/>
+          </a:prstGeom>
+          <a:noFill/>
+        </p:spPr>
         <p:txBody>
-          <a:bodyPr/>
+          <a:bodyPr wrap="square">
+            <a:spAutoFit/>
+          </a:bodyPr>
           <a:lstStyle/>
           <a:p>
             <a:r>
-              <a:rPr lang="en-US" altLang="zh-CN"/>
-              <a:t>Exercise:</a:t>
-            </a:r>
+              <a:rPr lang="en-US" altLang="zh-CN" sz="3200" b="1" dirty="0">
+                <a:solidFill>
+                  <a:srgbClr val="24292F"/>
+                </a:solidFill>
+              </a:rPr>
+              <a:t>Objects assignment</a:t>
+            </a:r>
+            <a:endParaRPr lang="zh-CN" altLang="en-US" sz="3200" b="1" dirty="0"/>
           </a:p>
         </p:txBody>
       </p:sp>
       <p:sp>
         <p:nvSpPr>
-          <p:cNvPr id="3" name="内容占位符 2"/>
-          <p:cNvSpPr>
-            <a:spLocks noGrp="1"/>
-          </p:cNvSpPr>
-          <p:nvPr>
-            <p:ph idx="1"/>
-          </p:nvPr>
+          <p:cNvPr id="7" name="文本框 6">
+            <a:extLst>
+              <a:ext uri="{FF2B5EF4-FFF2-40B4-BE49-F238E27FC236}">
+                <a16:creationId xmlns:a16="http://schemas.microsoft.com/office/drawing/2014/main" id="{23CEC27B-009E-4206-BCC2-AD6C9CC3FDE9}"/>
+              </a:ext>
+            </a:extLst>
+          </p:cNvPr>
+          <p:cNvSpPr txBox="1"/>
+          <p:nvPr/>
         </p:nvSpPr>
         <p:spPr>
           <a:xfrm>
-            <a:off x="197225" y="1326995"/>
-            <a:ext cx="11694854" cy="4849968"/>
+            <a:off x="963401" y="1203762"/>
+            <a:ext cx="10461981" cy="830997"/>
           </a:xfrm>
+          <a:prstGeom prst="rect">
+            <a:avLst/>
+          </a:prstGeom>
+          <a:noFill/>
         </p:spPr>
         <p:txBody>
-          <a:bodyPr>
-            <a:normAutofit/>
+          <a:bodyPr wrap="square">
+            <a:spAutoFit/>
           </a:bodyPr>
           <a:lstStyle/>
           <a:p>
-            <a:pPr>
-              <a:lnSpc>
-                <a:spcPct val="120000"/>
-              </a:lnSpc>
-              <a:spcBef>
-                <a:spcPts val="0"/>
-              </a:spcBef>
-            </a:pPr>
-            <a:r>
-              <a:rPr lang="en-US" altLang="zh-CN" sz="2400" dirty="0"/>
-              <a:t>Create a class called </a:t>
-            </a:r>
-            <a:r>
-              <a:rPr lang="en-US" altLang="zh-CN" sz="2400" b="1" dirty="0"/>
-              <a:t>Complex</a:t>
-            </a:r>
-            <a:r>
-              <a:rPr lang="en-US" altLang="zh-CN" sz="2400" dirty="0"/>
-              <a:t> for performing arithmetic with complex numbers. Write a program to test your class. Complex numbers have the form    </a:t>
-            </a:r>
-          </a:p>
-          <a:p>
-            <a:pPr marL="0" indent="0">
-              <a:lnSpc>
-                <a:spcPct val="120000"/>
-              </a:lnSpc>
-              <a:spcBef>
-                <a:spcPts val="0"/>
-              </a:spcBef>
-              <a:buNone/>
-            </a:pPr>
-            <a:r>
-              <a:rPr lang="en-US" altLang="zh-CN" sz="2400" dirty="0"/>
-              <a:t>                                   </a:t>
-            </a:r>
-            <a:r>
-              <a:rPr lang="en-US" altLang="zh-CN" sz="2400" dirty="0" err="1"/>
-              <a:t>realPart</a:t>
-            </a:r>
-            <a:r>
-              <a:rPr lang="en-US" altLang="zh-CN" sz="2400" dirty="0"/>
-              <a:t> + </a:t>
-            </a:r>
-            <a:r>
-              <a:rPr lang="en-US" altLang="zh-CN" sz="2400" dirty="0" err="1"/>
-              <a:t>imaginaryPart</a:t>
-            </a:r>
-            <a:r>
-              <a:rPr lang="en-US" altLang="zh-CN" sz="2400" dirty="0"/>
-              <a:t> * </a:t>
-            </a:r>
-            <a:r>
-              <a:rPr lang="en-US" altLang="zh-CN" sz="2400" dirty="0" err="1"/>
-              <a:t>i</a:t>
-            </a:r>
-            <a:endParaRPr lang="zh-CN" altLang="en-US" sz="2400" dirty="0"/>
-          </a:p>
-          <a:p>
-            <a:pPr>
-              <a:lnSpc>
-                <a:spcPct val="120000"/>
-              </a:lnSpc>
-              <a:spcBef>
-                <a:spcPts val="0"/>
-              </a:spcBef>
-            </a:pPr>
-            <a:r>
-              <a:rPr lang="en-US" altLang="zh-CN" sz="2400" dirty="0"/>
-              <a:t>Develop a complete class containing proper constructor functions as well as setter and getter functions. The class should also provide the following overloaded operator capabilities: </a:t>
-            </a:r>
-          </a:p>
-          <a:p>
-            <a:pPr marL="0" indent="0">
-              <a:lnSpc>
-                <a:spcPct val="120000"/>
-              </a:lnSpc>
-              <a:spcBef>
-                <a:spcPts val="0"/>
-              </a:spcBef>
-              <a:buNone/>
-            </a:pPr>
-            <a:r>
-              <a:rPr lang="en-US" altLang="zh-CN" sz="2400" dirty="0"/>
-              <a:t>(1) Overload the addition operator (+) to add two Complex numbers. </a:t>
-            </a:r>
-          </a:p>
-          <a:p>
-            <a:pPr marL="0" indent="0">
-              <a:lnSpc>
-                <a:spcPct val="120000"/>
-              </a:lnSpc>
-              <a:spcBef>
-                <a:spcPts val="0"/>
-              </a:spcBef>
-              <a:buNone/>
-            </a:pPr>
-            <a:r>
-              <a:rPr lang="en-US" altLang="zh-CN" sz="2400" dirty="0"/>
-              <a:t>(2) Overload the subtraction operator (-) to subtract two Complex numbers. </a:t>
-            </a:r>
-          </a:p>
-          <a:p>
-            <a:pPr marL="0" indent="0">
-              <a:lnSpc>
-                <a:spcPct val="120000"/>
-              </a:lnSpc>
-              <a:spcBef>
-                <a:spcPts val="0"/>
-              </a:spcBef>
-              <a:buNone/>
-            </a:pPr>
-            <a:r>
-              <a:rPr lang="en-US" altLang="zh-CN" sz="2400" dirty="0"/>
-              <a:t>(3) Overload the assignment operator(=) to assign one Complex to another. </a:t>
-            </a:r>
-          </a:p>
-          <a:p>
-            <a:pPr marL="0" indent="0">
-              <a:lnSpc>
-                <a:spcPct val="120000"/>
-              </a:lnSpc>
-              <a:spcBef>
-                <a:spcPts val="0"/>
-              </a:spcBef>
-              <a:buNone/>
-            </a:pPr>
-            <a:r>
-              <a:rPr lang="en-US" altLang="zh-CN" sz="2400" dirty="0"/>
-              <a:t>(4) Overload the multiplication operator (*) to multiply two Complex numbers.</a:t>
+            <a:r>
+              <a:rPr lang="en-US" altLang="zh-CN" sz="2400" dirty="0">
+                <a:solidFill>
+                  <a:srgbClr val="24292F"/>
+                </a:solidFill>
+              </a:rPr>
+              <a:t>You can overload the assignment operator which is the same as the default one. The assignment operator must be overloaded as a member function.</a:t>
             </a:r>
             <a:endParaRPr lang="zh-CN" altLang="en-US" sz="2400" dirty="0"/>
           </a:p>
         </p:txBody>
       </p:sp>
+      <p:pic>
+        <p:nvPicPr>
+          <p:cNvPr id="4" name="图片 3">
+            <a:extLst>
+              <a:ext uri="{FF2B5EF4-FFF2-40B4-BE49-F238E27FC236}">
+                <a16:creationId xmlns:a16="http://schemas.microsoft.com/office/drawing/2014/main" id="{CF9B90BE-2D98-50AB-9B00-8F4C99A51BC1}"/>
+              </a:ext>
+            </a:extLst>
+          </p:cNvPr>
+          <p:cNvPicPr>
+            <a:picLocks noChangeAspect="1"/>
+          </p:cNvPicPr>
+          <p:nvPr/>
+        </p:nvPicPr>
+        <p:blipFill>
+          <a:blip r:embed="rId2"/>
+          <a:stretch>
+            <a:fillRect/>
+          </a:stretch>
+        </p:blipFill>
+        <p:spPr>
+          <a:xfrm>
+            <a:off x="596364" y="2710187"/>
+            <a:ext cx="7413981" cy="1650798"/>
+          </a:xfrm>
+          <a:prstGeom prst="rect">
+            <a:avLst/>
+          </a:prstGeom>
+        </p:spPr>
+      </p:pic>
+      <p:pic>
+        <p:nvPicPr>
+          <p:cNvPr id="6" name="图片 5">
+            <a:extLst>
+              <a:ext uri="{FF2B5EF4-FFF2-40B4-BE49-F238E27FC236}">
+                <a16:creationId xmlns:a16="http://schemas.microsoft.com/office/drawing/2014/main" id="{F103E72C-3DA6-CB9C-FFE4-9C8B53A6D015}"/>
+              </a:ext>
+            </a:extLst>
+          </p:cNvPr>
+          <p:cNvPicPr>
+            <a:picLocks noChangeAspect="1"/>
+          </p:cNvPicPr>
+          <p:nvPr/>
+        </p:nvPicPr>
+        <p:blipFill>
+          <a:blip r:embed="rId3"/>
+          <a:stretch>
+            <a:fillRect/>
+          </a:stretch>
+        </p:blipFill>
+        <p:spPr>
+          <a:xfrm>
+            <a:off x="8276462" y="2198879"/>
+            <a:ext cx="3774802" cy="4026910"/>
+          </a:xfrm>
+          <a:prstGeom prst="rect">
+            <a:avLst/>
+          </a:prstGeom>
+        </p:spPr>
+      </p:pic>
+      <p:grpSp>
+        <p:nvGrpSpPr>
+          <p:cNvPr id="8" name="组合 7">
+            <a:extLst>
+              <a:ext uri="{FF2B5EF4-FFF2-40B4-BE49-F238E27FC236}">
+                <a16:creationId xmlns:a16="http://schemas.microsoft.com/office/drawing/2014/main" id="{41B092E3-5141-39AC-D72B-959FADB57711}"/>
+              </a:ext>
+            </a:extLst>
+          </p:cNvPr>
+          <p:cNvGrpSpPr/>
+          <p:nvPr/>
+        </p:nvGrpSpPr>
+        <p:grpSpPr>
+          <a:xfrm>
+            <a:off x="6151619" y="5033811"/>
+            <a:ext cx="4479434" cy="386822"/>
+            <a:chOff x="5722130" y="3477487"/>
+            <a:chExt cx="4479434" cy="386822"/>
+          </a:xfrm>
+        </p:grpSpPr>
+        <p:sp>
+          <p:nvSpPr>
+            <p:cNvPr id="10" name="矩形 9">
+              <a:extLst>
+                <a:ext uri="{FF2B5EF4-FFF2-40B4-BE49-F238E27FC236}">
+                  <a16:creationId xmlns:a16="http://schemas.microsoft.com/office/drawing/2014/main" id="{9E4BF713-7998-9DC0-8444-FBBF7EE71EF6}"/>
+                </a:ext>
+              </a:extLst>
+            </p:cNvPr>
+            <p:cNvSpPr/>
+            <p:nvPr/>
+          </p:nvSpPr>
+          <p:spPr>
+            <a:xfrm>
+              <a:off x="8063943" y="3477487"/>
+              <a:ext cx="2137621" cy="279261"/>
+            </a:xfrm>
+            <a:prstGeom prst="rect">
+              <a:avLst/>
+            </a:prstGeom>
+            <a:noFill/>
+            <a:ln w="19050">
+              <a:solidFill>
+                <a:srgbClr val="FF0000"/>
+              </a:solidFill>
+            </a:ln>
+          </p:spPr>
+          <p:style>
+            <a:lnRef idx="2">
+              <a:schemeClr val="accent1">
+                <a:shade val="50000"/>
+              </a:schemeClr>
+            </a:lnRef>
+            <a:fillRef idx="1">
+              <a:schemeClr val="accent1"/>
+            </a:fillRef>
+            <a:effectRef idx="0">
+              <a:schemeClr val="accent1"/>
+            </a:effectRef>
+            <a:fontRef idx="minor">
+              <a:schemeClr val="lt1"/>
+            </a:fontRef>
+          </p:style>
+          <p:txBody>
+            <a:bodyPr rtlCol="0" anchor="ctr"/>
+            <a:lstStyle/>
+            <a:p>
+              <a:pPr algn="ctr"/>
+              <a:endParaRPr lang="zh-CN" altLang="en-US"/>
+            </a:p>
+          </p:txBody>
+        </p:sp>
+        <p:cxnSp>
+          <p:nvCxnSpPr>
+            <p:cNvPr id="11" name="直接箭头连接符 10">
+              <a:extLst>
+                <a:ext uri="{FF2B5EF4-FFF2-40B4-BE49-F238E27FC236}">
+                  <a16:creationId xmlns:a16="http://schemas.microsoft.com/office/drawing/2014/main" id="{5E86E604-03E9-37EF-30EC-0366E707DDB7}"/>
+                </a:ext>
+              </a:extLst>
+            </p:cNvPr>
+            <p:cNvCxnSpPr>
+              <a:cxnSpLocks/>
+            </p:cNvCxnSpPr>
+            <p:nvPr/>
+          </p:nvCxnSpPr>
+          <p:spPr>
+            <a:xfrm flipV="1">
+              <a:off x="7725840" y="3617117"/>
+              <a:ext cx="338103" cy="139631"/>
+            </a:xfrm>
+            <a:prstGeom prst="straightConnector1">
+              <a:avLst/>
+            </a:prstGeom>
+            <a:ln w="19050">
+              <a:solidFill>
+                <a:srgbClr val="FF0000"/>
+              </a:solidFill>
+              <a:tailEnd type="triangle"/>
+            </a:ln>
+          </p:spPr>
+          <p:style>
+            <a:lnRef idx="1">
+              <a:schemeClr val="accent1"/>
+            </a:lnRef>
+            <a:fillRef idx="0">
+              <a:schemeClr val="accent1"/>
+            </a:fillRef>
+            <a:effectRef idx="0">
+              <a:schemeClr val="accent1"/>
+            </a:effectRef>
+            <a:fontRef idx="minor">
+              <a:schemeClr val="tx1"/>
+            </a:fontRef>
+          </p:style>
+        </p:cxnSp>
+        <p:sp>
+          <p:nvSpPr>
+            <p:cNvPr id="12" name="文本框 11">
+              <a:extLst>
+                <a:ext uri="{FF2B5EF4-FFF2-40B4-BE49-F238E27FC236}">
+                  <a16:creationId xmlns:a16="http://schemas.microsoft.com/office/drawing/2014/main" id="{13A0DF35-D506-7E6E-208C-A719B5DB7DD7}"/>
+                </a:ext>
+              </a:extLst>
+            </p:cNvPr>
+            <p:cNvSpPr txBox="1"/>
+            <p:nvPr/>
+          </p:nvSpPr>
+          <p:spPr>
+            <a:xfrm>
+              <a:off x="5722130" y="3494977"/>
+              <a:ext cx="2075696" cy="369332"/>
+            </a:xfrm>
+            <a:prstGeom prst="rect">
+              <a:avLst/>
+            </a:prstGeom>
+            <a:noFill/>
+          </p:spPr>
+          <p:txBody>
+            <a:bodyPr wrap="none" rtlCol="0">
+              <a:spAutoFit/>
+            </a:bodyPr>
+            <a:lstStyle/>
+            <a:p>
+              <a:r>
+                <a:rPr lang="en-US" altLang="zh-CN" dirty="0"/>
+                <a:t>Chained assignment</a:t>
+              </a:r>
+              <a:endParaRPr lang="zh-CN" altLang="en-US" dirty="0"/>
+            </a:p>
+          </p:txBody>
+        </p:sp>
+      </p:grpSp>
     </p:spTree>
+    <p:extLst>
+      <p:ext uri="{BB962C8B-B14F-4D97-AF65-F5344CB8AC3E}">
+        <p14:creationId xmlns:p14="http://schemas.microsoft.com/office/powerpoint/2010/main" val="3843917720"/>
+      </p:ext>
+    </p:extLst>
   </p:cSld>
   <p:clrMapOvr>
     <a:masterClrMapping/>
   </p:clrMapOvr>
+  <p:timing>
+    <p:tnLst>
+      <p:par>
+        <p:cTn id="1" dur="indefinite" restart="never" nodeType="tmRoot">
+          <p:childTnLst>
+            <p:seq concurrent="1" nextAc="seek">
+              <p:cTn id="2" dur="indefinite" nodeType="mainSeq">
+                <p:childTnLst>
+                  <p:par>
+                    <p:cTn id="3" fill="hold">
+                      <p:stCondLst>
+                        <p:cond delay="indefinite"/>
+                      </p:stCondLst>
+                      <p:childTnLst>
+                        <p:par>
+                          <p:cTn id="4" fill="hold">
+                            <p:stCondLst>
+                              <p:cond delay="0"/>
+                            </p:stCondLst>
+                            <p:childTnLst>
+                              <p:par>
+                                <p:cTn id="5" presetID="1" presetClass="entr" presetSubtype="0" fill="hold" nodeType="clickEffect">
+                                  <p:stCondLst>
+                                    <p:cond delay="0"/>
+                                  </p:stCondLst>
+                                  <p:childTnLst>
+                                    <p:set>
+                                      <p:cBhvr>
+                                        <p:cTn id="6" dur="1" fill="hold">
+                                          <p:stCondLst>
+                                            <p:cond delay="0"/>
+                                          </p:stCondLst>
+                                        </p:cTn>
+                                        <p:tgtEl>
+                                          <p:spTgt spid="4"/>
+                                        </p:tgtEl>
+                                        <p:attrNameLst>
+                                          <p:attrName>style.visibility</p:attrName>
+                                        </p:attrNameLst>
+                                      </p:cBhvr>
+                                      <p:to>
+                                        <p:strVal val="visible"/>
+                                      </p:to>
+                                    </p:set>
+                                  </p:childTnLst>
+                                </p:cTn>
+                              </p:par>
+                            </p:childTnLst>
+                          </p:cTn>
+                        </p:par>
+                      </p:childTnLst>
+                    </p:cTn>
+                  </p:par>
+                  <p:par>
+                    <p:cTn id="7" fill="hold">
+                      <p:stCondLst>
+                        <p:cond delay="indefinite"/>
+                      </p:stCondLst>
+                      <p:childTnLst>
+                        <p:par>
+                          <p:cTn id="8" fill="hold">
+                            <p:stCondLst>
+                              <p:cond delay="0"/>
+                            </p:stCondLst>
+                            <p:childTnLst>
+                              <p:par>
+                                <p:cTn id="9" presetID="1" presetClass="entr" presetSubtype="0" fill="hold" nodeType="clickEffect">
+                                  <p:stCondLst>
+                                    <p:cond delay="0"/>
+                                  </p:stCondLst>
+                                  <p:childTnLst>
+                                    <p:set>
+                                      <p:cBhvr>
+                                        <p:cTn id="10" dur="1" fill="hold">
+                                          <p:stCondLst>
+                                            <p:cond delay="0"/>
+                                          </p:stCondLst>
+                                        </p:cTn>
+                                        <p:tgtEl>
+                                          <p:spTgt spid="6"/>
+                                        </p:tgtEl>
+                                        <p:attrNameLst>
+                                          <p:attrName>style.visibility</p:attrName>
+                                        </p:attrNameLst>
+                                      </p:cBhvr>
+                                      <p:to>
+                                        <p:strVal val="visible"/>
+                                      </p:to>
+                                    </p:set>
+                                  </p:childTnLst>
+                                </p:cTn>
+                              </p:par>
+                            </p:childTnLst>
+                          </p:cTn>
+                        </p:par>
+                      </p:childTnLst>
+                    </p:cTn>
+                  </p:par>
+                  <p:par>
+                    <p:cTn id="11" fill="hold">
+                      <p:stCondLst>
+                        <p:cond delay="indefinite"/>
+                      </p:stCondLst>
+                      <p:childTnLst>
+                        <p:par>
+                          <p:cTn id="12" fill="hold">
+                            <p:stCondLst>
+                              <p:cond delay="0"/>
+                            </p:stCondLst>
+                            <p:childTnLst>
+                              <p:par>
+                                <p:cTn id="13" presetID="1" presetClass="entr" presetSubtype="0" fill="hold" nodeType="clickEffect">
+                                  <p:stCondLst>
+                                    <p:cond delay="0"/>
+                                  </p:stCondLst>
+                                  <p:childTnLst>
+                                    <p:set>
+                                      <p:cBhvr>
+                                        <p:cTn id="14" dur="1" fill="hold">
+                                          <p:stCondLst>
+                                            <p:cond delay="0"/>
+                                          </p:stCondLst>
+                                        </p:cTn>
+                                        <p:tgtEl>
+                                          <p:spTgt spid="8"/>
+                                        </p:tgtEl>
+                                        <p:attrNameLst>
+                                          <p:attrName>style.visibility</p:attrName>
+                                        </p:attrNameLst>
+                                      </p:cBhvr>
+                                      <p:to>
+                                        <p:strVal val="visible"/>
+                                      </p:to>
+                                    </p:set>
+                                  </p:childTnLst>
+                                </p:cTn>
+                              </p:par>
+                            </p:childTnLst>
+                          </p:cTn>
+                        </p:par>
+                      </p:childTnLst>
+                    </p:cTn>
+                  </p:par>
+                </p:childTnLst>
+              </p:cTn>
+              <p:prevCondLst>
+                <p:cond evt="onPrev" delay="0">
+                  <p:tgtEl>
+                    <p:sldTgt/>
+                  </p:tgtEl>
+                </p:cond>
+              </p:prevCondLst>
+              <p:nextCondLst>
+                <p:cond evt="onNext" delay="0">
+                  <p:tgtEl>
+                    <p:sldTgt/>
+                  </p:tgtEl>
+                </p:cond>
+              </p:nextCondLst>
+            </p:seq>
+          </p:childTnLst>
+        </p:cTn>
+      </p:par>
+    </p:tnLst>
+  </p:timing>
 </p:sld>
 </file>
 
